--- a/서울시 안심스카우트 서비스 개선.pptx
+++ b/서울시 안심스카우트 서비스 개선.pptx
@@ -128,10 +128,6 @@
 </p:presentation>
 </file>
 
-<file path=ppt/revisionInfo.xml><?xml version="1.0" encoding="utf-8"?>
-<p1510:revInfo xmlns:a="http://schemas.openxmlformats.org/drawingml/2006/main" xmlns:r="http://schemas.openxmlformats.org/officeDocument/2006/relationships" xmlns:p1510="http://schemas.microsoft.com/office/powerpoint/2015/10/main"/>
-</file>
-
 <file path=ppt/notesMasters/notesMaster1.xml><?xml version="1.0" encoding="utf-8"?>
 <p:notesMaster xmlns:a="http://schemas.openxmlformats.org/drawingml/2006/main" xmlns:r="http://schemas.openxmlformats.org/officeDocument/2006/relationships" xmlns:p="http://schemas.openxmlformats.org/presentationml/2006/main">
   <p:cSld>
@@ -214,7 +210,7 @@
           <a:p>
             <a:fld id="{1CAA2D1A-2339-44F8-8B16-780F5AC78E22}" type="datetimeFigureOut">
               <a:rPr lang="ko-KR" altLang="en-US" smtClean="0"/>
-              <a:t>2018-02-07</a:t>
+              <a:t>2018-02-08</a:t>
             </a:fld>
             <a:endParaRPr lang="ko-KR" altLang="en-US"/>
           </a:p>
@@ -742,7 +738,7 @@
             <a:fld id="{87DE6118-2437-4B30-8E3C-4D2BE6020583}" type="datetimeFigureOut">
               <a:rPr lang="en-US" dirty="0"/>
               <a:pPr/>
-              <a:t>2/7/2018</a:t>
+              <a:t>2/8/2018</a:t>
             </a:fld>
             <a:endParaRPr lang="en-US" dirty="0"/>
           </a:p>
@@ -1068,7 +1064,7 @@
           <a:p>
             <a:fld id="{87DE6118-2437-4B30-8E3C-4D2BE6020583}" type="datetimeFigureOut">
               <a:rPr lang="en-US" dirty="0"/>
-              <a:t>2/7/2018</a:t>
+              <a:t>2/8/2018</a:t>
             </a:fld>
             <a:endParaRPr lang="en-US" dirty="0"/>
           </a:p>
@@ -1243,7 +1239,7 @@
           <a:p>
             <a:fld id="{87DE6118-2437-4B30-8E3C-4D2BE6020583}" type="datetimeFigureOut">
               <a:rPr lang="en-US" dirty="0"/>
-              <a:t>2/7/2018</a:t>
+              <a:t>2/8/2018</a:t>
             </a:fld>
             <a:endParaRPr lang="en-US" dirty="0"/>
           </a:p>
@@ -1408,7 +1404,7 @@
           <a:p>
             <a:fld id="{87DE6118-2437-4B30-8E3C-4D2BE6020583}" type="datetimeFigureOut">
               <a:rPr lang="en-US" dirty="0"/>
-              <a:t>2/7/2018</a:t>
+              <a:t>2/8/2018</a:t>
             </a:fld>
             <a:endParaRPr lang="en-US" dirty="0"/>
           </a:p>
@@ -1681,7 +1677,7 @@
             <a:fld id="{87DE6118-2437-4B30-8E3C-4D2BE6020583}" type="datetimeFigureOut">
               <a:rPr lang="en-US" dirty="0"/>
               <a:pPr/>
-              <a:t>2/7/2018</a:t>
+              <a:t>2/8/2018</a:t>
             </a:fld>
             <a:endParaRPr lang="en-US" dirty="0"/>
           </a:p>
@@ -2071,7 +2067,7 @@
           <a:p>
             <a:fld id="{87DE6118-2437-4B30-8E3C-4D2BE6020583}" type="datetimeFigureOut">
               <a:rPr lang="en-US" dirty="0"/>
-              <a:t>2/7/2018</a:t>
+              <a:t>2/8/2018</a:t>
             </a:fld>
             <a:endParaRPr lang="en-US" dirty="0"/>
           </a:p>
@@ -2543,7 +2539,7 @@
           <a:p>
             <a:fld id="{87DE6118-2437-4B30-8E3C-4D2BE6020583}" type="datetimeFigureOut">
               <a:rPr lang="en-US" dirty="0"/>
-              <a:t>2/7/2018</a:t>
+              <a:t>2/8/2018</a:t>
             </a:fld>
             <a:endParaRPr lang="en-US" dirty="0"/>
           </a:p>
@@ -2656,7 +2652,7 @@
           <a:p>
             <a:fld id="{87DE6118-2437-4B30-8E3C-4D2BE6020583}" type="datetimeFigureOut">
               <a:rPr lang="en-US" dirty="0"/>
-              <a:t>2/7/2018</a:t>
+              <a:t>2/8/2018</a:t>
             </a:fld>
             <a:endParaRPr lang="en-US" dirty="0"/>
           </a:p>
@@ -2746,7 +2742,7 @@
           <a:p>
             <a:fld id="{87DE6118-2437-4B30-8E3C-4D2BE6020583}" type="datetimeFigureOut">
               <a:rPr lang="en-US" dirty="0"/>
-              <a:t>2/7/2018</a:t>
+              <a:t>2/8/2018</a:t>
             </a:fld>
             <a:endParaRPr lang="en-US" dirty="0"/>
           </a:p>
@@ -3088,7 +3084,7 @@
             <a:fld id="{87DE6118-2437-4B30-8E3C-4D2BE6020583}" type="datetimeFigureOut">
               <a:rPr lang="en-US" dirty="0"/>
               <a:pPr/>
-              <a:t>2/7/2018</a:t>
+              <a:t>2/8/2018</a:t>
             </a:fld>
             <a:endParaRPr lang="en-US" dirty="0"/>
           </a:p>
@@ -3473,7 +3469,7 @@
             <a:fld id="{87DE6118-2437-4B30-8E3C-4D2BE6020583}" type="datetimeFigureOut">
               <a:rPr lang="en-US" dirty="0"/>
               <a:pPr/>
-              <a:t>2/7/2018</a:t>
+              <a:t>2/8/2018</a:t>
             </a:fld>
             <a:endParaRPr lang="en-US" dirty="0"/>
           </a:p>
@@ -3748,7 +3744,7 @@
             <a:fld id="{87DE6118-2437-4B30-8E3C-4D2BE6020583}" type="datetimeFigureOut">
               <a:rPr lang="en-US" dirty="0"/>
               <a:pPr/>
-              <a:t>2/7/2018</a:t>
+              <a:t>2/8/2018</a:t>
             </a:fld>
             <a:endParaRPr lang="en-US" dirty="0"/>
           </a:p>
@@ -4599,7 +4595,7 @@
         </p:nvSpPr>
         <p:spPr>
           <a:xfrm>
-            <a:off x="1371600" y="1864659"/>
+            <a:off x="1371600" y="1898525"/>
             <a:ext cx="9753600" cy="4420912"/>
           </a:xfrm>
           <a:prstGeom prst="rect">
@@ -8393,7 +8389,7 @@
         </p:blipFill>
         <p:spPr>
           <a:xfrm>
-            <a:off x="2435477" y="2621169"/>
+            <a:off x="2435477" y="2638102"/>
             <a:ext cx="2872019" cy="3907387"/>
           </a:xfrm>
           <a:prstGeom prst="rect">
@@ -9738,7 +9734,7 @@
         </p:nvSpPr>
         <p:spPr>
           <a:xfrm>
-            <a:off x="1371599" y="1864658"/>
+            <a:off x="1371599" y="1898524"/>
             <a:ext cx="10565027" cy="4733365"/>
           </a:xfrm>
           <a:prstGeom prst="rect">
@@ -11448,7 +11444,7 @@
         </p:nvSpPr>
         <p:spPr>
           <a:xfrm>
-            <a:off x="1371600" y="1864659"/>
+            <a:off x="1371600" y="1881592"/>
             <a:ext cx="9753600" cy="4420912"/>
           </a:xfrm>
           <a:prstGeom prst="rect">
